--- a/Slides/Psy524-05-MultilevelModel_Part1.pptx
+++ b/Slides/Psy524-05-MultilevelModel_Part1.pptx
@@ -221,7 +221,7 @@
           <a:p>
             <a:fld id="{EFA12E2F-A9B4-4734-B75B-7C1455DF39E5}" type="datetimeFigureOut">
               <a:rPr lang="en-US" smtClean="0"/>
-              <a:t>2/12/2019</a:t>
+              <a:t>2/13/2019</a:t>
             </a:fld>
             <a:endParaRPr lang="en-US"/>
           </a:p>
@@ -734,7 +734,7 @@
           <a:p>
             <a:fld id="{03D27D80-0ED9-4A5D-A485-8622B3BEACEF}" type="datetime1">
               <a:rPr lang="en-US" smtClean="0"/>
-              <a:t>2/12/2019</a:t>
+              <a:t>2/13/2019</a:t>
             </a:fld>
             <a:endParaRPr lang="en-US" dirty="0"/>
           </a:p>
@@ -996,7 +996,7 @@
           <a:p>
             <a:fld id="{382AA5FA-CC0B-4C50-876E-37BED72DE41F}" type="datetime1">
               <a:rPr lang="en-US" smtClean="0"/>
-              <a:t>2/12/2019</a:t>
+              <a:t>2/13/2019</a:t>
             </a:fld>
             <a:endParaRPr lang="en-US" dirty="0"/>
           </a:p>
@@ -1231,7 +1231,7 @@
           <a:p>
             <a:fld id="{B4744163-2EF6-45CD-B0D4-F06378233933}" type="datetime1">
               <a:rPr lang="en-US" smtClean="0"/>
-              <a:t>2/12/2019</a:t>
+              <a:t>2/13/2019</a:t>
             </a:fld>
             <a:endParaRPr lang="en-US" dirty="0"/>
           </a:p>
@@ -1510,7 +1510,7 @@
           <a:p>
             <a:fld id="{4DE0A2BE-EC33-46D2-827E-CB30A64179EB}" type="datetime1">
               <a:rPr lang="en-US" smtClean="0"/>
-              <a:t>2/12/2019</a:t>
+              <a:t>2/13/2019</a:t>
             </a:fld>
             <a:endParaRPr lang="en-US" dirty="0"/>
           </a:p>
@@ -1816,7 +1816,7 @@
           <a:p>
             <a:fld id="{5441D8B3-65AA-4989-A2BE-87D70DC0201A}" type="datetime1">
               <a:rPr lang="en-US" smtClean="0"/>
-              <a:t>2/12/2019</a:t>
+              <a:t>2/13/2019</a:t>
             </a:fld>
             <a:endParaRPr lang="en-US" dirty="0"/>
           </a:p>
@@ -2118,7 +2118,7 @@
           <a:p>
             <a:fld id="{AF4F578E-FB2F-452D-94AD-243FF6DD3FD3}" type="datetime1">
               <a:rPr lang="en-US" smtClean="0"/>
-              <a:t>2/12/2019</a:t>
+              <a:t>2/13/2019</a:t>
             </a:fld>
             <a:endParaRPr lang="en-US" dirty="0"/>
           </a:p>
@@ -2537,7 +2537,7 @@
           <a:p>
             <a:fld id="{726D41FA-935A-494F-B865-B2E9AAE52B5B}" type="datetime1">
               <a:rPr lang="en-US" smtClean="0"/>
-              <a:t>2/12/2019</a:t>
+              <a:t>2/13/2019</a:t>
             </a:fld>
             <a:endParaRPr lang="en-US" dirty="0"/>
           </a:p>
@@ -2698,7 +2698,7 @@
           <a:p>
             <a:fld id="{ACEB28B6-34E9-4A64-8F81-711423687AC6}" type="datetime1">
               <a:rPr lang="en-US" smtClean="0"/>
-              <a:t>2/12/2019</a:t>
+              <a:t>2/13/2019</a:t>
             </a:fld>
             <a:endParaRPr lang="en-US" dirty="0"/>
           </a:p>
@@ -2793,7 +2793,7 @@
           <a:p>
             <a:fld id="{1FD00D97-745E-4495-A083-8C7EBBD66A41}" type="datetime1">
               <a:rPr lang="en-US" smtClean="0"/>
-              <a:t>2/12/2019</a:t>
+              <a:t>2/13/2019</a:t>
             </a:fld>
             <a:endParaRPr lang="en-US" dirty="0"/>
           </a:p>
@@ -3171,7 +3171,7 @@
           <a:p>
             <a:fld id="{00454053-FE0A-4A62-924B-12C0FB8EE042}" type="datetime1">
               <a:rPr lang="en-US" smtClean="0"/>
-              <a:t>2/12/2019</a:t>
+              <a:t>2/13/2019</a:t>
             </a:fld>
             <a:endParaRPr lang="en-US" dirty="0"/>
           </a:p>
@@ -3460,7 +3460,7 @@
           <a:p>
             <a:fld id="{9084CB76-567E-4C6F-8341-C91BA3499933}" type="datetime1">
               <a:rPr lang="en-US" smtClean="0"/>
-              <a:t>2/12/2019</a:t>
+              <a:t>2/13/2019</a:t>
             </a:fld>
             <a:endParaRPr lang="en-US" dirty="0"/>
           </a:p>
@@ -3671,7 +3671,7 @@
           <a:p>
             <a:fld id="{1BD876C9-6324-45A1-BECB-474A96908BEB}" type="datetime1">
               <a:rPr lang="en-US" smtClean="0"/>
-              <a:t>2/12/2019</a:t>
+              <a:t>2/13/2019</a:t>
             </a:fld>
             <a:endParaRPr lang="en-US" dirty="0"/>
           </a:p>
@@ -4859,7 +4859,7 @@
           <a:graphicData uri="http://schemas.openxmlformats.org/presentationml/2006/ole">
             <mc:AlternateContent xmlns:mc="http://schemas.openxmlformats.org/markup-compatibility/2006">
               <mc:Choice xmlns:v="urn:schemas-microsoft-com:vml" Requires="v">
-                <p:oleObj spid="_x0000_s7182" name="Worksheet" r:id="rId3" imgW="3597264" imgH="5410339" progId="Excel.Sheet.12">
+                <p:oleObj spid="_x0000_s7183" name="Worksheet" r:id="rId3" imgW="3597264" imgH="5410339" progId="Excel.Sheet.12">
                   <p:embed/>
                 </p:oleObj>
               </mc:Choice>
@@ -5205,7 +5205,7 @@
           <a:graphicData uri="http://schemas.openxmlformats.org/presentationml/2006/ole">
             <mc:AlternateContent xmlns:mc="http://schemas.openxmlformats.org/markup-compatibility/2006">
               <mc:Choice xmlns:v="urn:schemas-microsoft-com:vml" Requires="v">
-                <p:oleObj spid="_x0000_s8205" name="Worksheet" r:id="rId3" imgW="3333867" imgH="4409902" progId="Excel.Sheet.12">
+                <p:oleObj spid="_x0000_s8206" name="Worksheet" r:id="rId3" imgW="3333867" imgH="4409902" progId="Excel.Sheet.12">
                   <p:embed/>
                 </p:oleObj>
               </mc:Choice>
@@ -6887,7 +6887,7 @@
           <a:graphicData uri="http://schemas.openxmlformats.org/presentationml/2006/ole">
             <mc:AlternateContent xmlns:mc="http://schemas.openxmlformats.org/markup-compatibility/2006">
               <mc:Choice xmlns:v="urn:schemas-microsoft-com:vml" Requires="v">
-                <p:oleObj spid="_x0000_s1037" name="Equation" r:id="rId3" imgW="1511280" imgH="228600" progId="Equation.DSMT4">
+                <p:oleObj spid="_x0000_s1038" name="Equation" r:id="rId3" imgW="1511280" imgH="228600" progId="Equation.DSMT4">
                   <p:embed/>
                 </p:oleObj>
               </mc:Choice>
@@ -8170,7 +8170,7 @@
           <a:graphicData uri="http://schemas.openxmlformats.org/presentationml/2006/ole">
             <mc:AlternateContent xmlns:mc="http://schemas.openxmlformats.org/markup-compatibility/2006">
               <mc:Choice xmlns:v="urn:schemas-microsoft-com:vml" Requires="v">
-                <p:oleObj spid="_x0000_s9234" name="Equation" r:id="rId3" imgW="1447560" imgH="241200" progId="Equation.DSMT4">
+                <p:oleObj spid="_x0000_s9237" name="Equation" r:id="rId3" imgW="1447560" imgH="241200" progId="Equation.DSMT4">
                   <p:embed/>
                 </p:oleObj>
               </mc:Choice>
@@ -8233,7 +8233,7 @@
           <a:graphicData uri="http://schemas.openxmlformats.org/presentationml/2006/ole">
             <mc:AlternateContent xmlns:mc="http://schemas.openxmlformats.org/markup-compatibility/2006">
               <mc:Choice xmlns:v="urn:schemas-microsoft-com:vml" Requires="v">
-                <p:oleObj spid="_x0000_s9235" name="Equation" r:id="rId5" imgW="1600200" imgH="507960" progId="Equation.DSMT4">
+                <p:oleObj spid="_x0000_s9238" name="Equation" r:id="rId5" imgW="1600200" imgH="507960" progId="Equation.DSMT4">
                   <p:embed/>
                 </p:oleObj>
               </mc:Choice>
@@ -8296,7 +8296,7 @@
           <a:graphicData uri="http://schemas.openxmlformats.org/presentationml/2006/ole">
             <mc:AlternateContent xmlns:mc="http://schemas.openxmlformats.org/markup-compatibility/2006">
               <mc:Choice xmlns:v="urn:schemas-microsoft-com:vml" Requires="v">
-                <p:oleObj spid="_x0000_s9236" name="Equation" r:id="rId7" imgW="1295280" imgH="241200" progId="Equation.DSMT4">
+                <p:oleObj spid="_x0000_s9239" name="Equation" r:id="rId7" imgW="1295280" imgH="241200" progId="Equation.DSMT4">
                   <p:embed/>
                 </p:oleObj>
               </mc:Choice>
@@ -8636,7 +8636,7 @@
           <a:graphicData uri="http://schemas.openxmlformats.org/presentationml/2006/ole">
             <mc:AlternateContent xmlns:mc="http://schemas.openxmlformats.org/markup-compatibility/2006">
               <mc:Choice xmlns:v="urn:schemas-microsoft-com:vml" Requires="v">
-                <p:oleObj spid="_x0000_s2061" name="Worksheet" r:id="rId3" imgW="3667171" imgH="3943558" progId="Excel.Sheet.12">
+                <p:oleObj spid="_x0000_s2062" name="Worksheet" r:id="rId3" imgW="3667171" imgH="3943558" progId="Excel.Sheet.12">
                   <p:embed/>
                 </p:oleObj>
               </mc:Choice>
@@ -8906,7 +8906,7 @@
           <a:graphicData uri="http://schemas.openxmlformats.org/presentationml/2006/ole">
             <mc:AlternateContent xmlns:mc="http://schemas.openxmlformats.org/markup-compatibility/2006">
               <mc:Choice xmlns:v="urn:schemas-microsoft-com:vml" Requires="v">
-                <p:oleObj spid="_x0000_s3087" name="Equation" r:id="rId3" imgW="2158920" imgH="241200" progId="Equation.DSMT4">
+                <p:oleObj spid="_x0000_s3088" name="Equation" r:id="rId3" imgW="2158920" imgH="241200" progId="Equation.DSMT4">
                   <p:embed/>
                 </p:oleObj>
               </mc:Choice>
@@ -9090,7 +9090,7 @@
           <a:graphicData uri="http://schemas.openxmlformats.org/presentationml/2006/ole">
             <mc:AlternateContent xmlns:mc="http://schemas.openxmlformats.org/markup-compatibility/2006">
               <mc:Choice xmlns:v="urn:schemas-microsoft-com:vml" Requires="v">
-                <p:oleObj spid="_x0000_s4109" name="Worksheet" r:id="rId3" imgW="3667171" imgH="6378771" progId="Excel.Sheet.12">
+                <p:oleObj spid="_x0000_s4110" name="Worksheet" r:id="rId3" imgW="3667171" imgH="6378771" progId="Excel.Sheet.12">
                   <p:embed/>
                 </p:oleObj>
               </mc:Choice>
@@ -9549,7 +9549,7 @@
           <a:graphicData uri="http://schemas.openxmlformats.org/presentationml/2006/ole">
             <mc:AlternateContent xmlns:mc="http://schemas.openxmlformats.org/markup-compatibility/2006">
               <mc:Choice xmlns:v="urn:schemas-microsoft-com:vml" Requires="v">
-                <p:oleObj spid="_x0000_s5133" name="Worksheet" r:id="rId3" imgW="3667171" imgH="6378771" progId="Excel.Sheet.12">
+                <p:oleObj spid="_x0000_s5134" name="Worksheet" r:id="rId3" imgW="3667171" imgH="6378771" progId="Excel.Sheet.12">
                   <p:embed/>
                 </p:oleObj>
               </mc:Choice>
@@ -10387,7 +10387,7 @@
           <a:graphicData uri="http://schemas.openxmlformats.org/presentationml/2006/ole">
             <mc:AlternateContent xmlns:mc="http://schemas.openxmlformats.org/markup-compatibility/2006">
               <mc:Choice xmlns:v="urn:schemas-microsoft-com:vml" Requires="v">
-                <p:oleObj spid="_x0000_s6158" name="Worksheet" r:id="rId3" imgW="3667171" imgH="6378771" progId="Excel.Sheet.12">
+                <p:oleObj spid="_x0000_s6159" name="Worksheet" r:id="rId3" imgW="3667171" imgH="6378771" progId="Excel.Sheet.12">
                   <p:embed/>
                 </p:oleObj>
               </mc:Choice>
@@ -11009,7 +11009,7 @@
             <a:pPr lvl="1"/>
             <a:r>
               <a:rPr lang="en-US" dirty="0"/>
-              <a:t>a = .632</a:t>
+              <a:t>a = 2.663</a:t>
             </a:r>
           </a:p>
           <a:p>
@@ -11024,7 +11024,7 @@
             </a:r>
             <a:r>
               <a:rPr lang="en-US" dirty="0"/>
-              <a:t> = .475</a:t>
+              <a:t> = .497</a:t>
             </a:r>
           </a:p>
         </p:txBody>
